--- a/Week 11/EDA.pptx
+++ b/Week 11/EDA.pptx
@@ -21,7 +21,8 @@
     <p:sldId id="292" r:id="rId15"/>
     <p:sldId id="288" r:id="rId16"/>
     <p:sldId id="272" r:id="rId17"/>
-    <p:sldId id="281" r:id="rId18"/>
+    <p:sldId id="293" r:id="rId18"/>
+    <p:sldId id="281" r:id="rId19"/>
   </p:sldIdLst>
   <p:sldSz cx="12192000" cy="6858000"/>
   <p:notesSz cx="6858000" cy="9144000"/>
@@ -4724,7 +4725,7 @@
         <p:spPr>
           <a:xfrm>
             <a:off x="762000" y="1595021"/>
-            <a:ext cx="10960608" cy="4708981"/>
+            <a:ext cx="10960608" cy="5201424"/>
           </a:xfrm>
           <a:prstGeom prst="rect">
             <a:avLst/>
@@ -4864,7 +4865,25 @@
               </a:rPr>
               <a:t>Clinical Factors such as “Concomitancy of Drugs”, “Comorbidity of Various Diseases” and “Risk Factors” do show some correlations with the target variable “Persistency Level” of the patients which needs to be investigated further through a Quantitative Analysis such as Machine Learning.</a:t>
             </a:r>
-            <a:endParaRPr lang="en-US" sz="1600" dirty="0"/>
+          </a:p>
+          <a:p>
+            <a:pPr marL="512763" marR="0" lvl="0" indent="-342900">
+              <a:lnSpc>
+                <a:spcPct val="150000"/>
+              </a:lnSpc>
+              <a:spcBef>
+                <a:spcPts val="0"/>
+              </a:spcBef>
+              <a:spcAft>
+                <a:spcPts val="600"/>
+              </a:spcAft>
+              <a:buFont typeface="Symbol" panose="05050102010706020507" pitchFamily="18" charset="2"/>
+              <a:buChar char=""/>
+            </a:pPr>
+            <a:endParaRPr lang="en-US" dirty="0">
+              <a:latin typeface="Calibri" panose="020F0502020204030204" pitchFamily="34" charset="0"/>
+              <a:cs typeface="Arial" panose="020B0604020202020204" pitchFamily="34" charset="0"/>
+            </a:endParaRPr>
           </a:p>
           <a:p>
             <a:endParaRPr lang="en-US" sz="1600" dirty="0"/>
@@ -4946,6 +4965,271 @@
 </file>
 
 <file path=ppt/slides/slide17.xml><?xml version="1.0" encoding="utf-8"?>
+<p:sld xmlns:a="http://schemas.openxmlformats.org/drawingml/2006/main" xmlns:r="http://schemas.openxmlformats.org/officeDocument/2006/relationships" xmlns:p="http://schemas.openxmlformats.org/presentationml/2006/main">
+  <p:cSld>
+    <p:spTree>
+      <p:nvGrpSpPr>
+        <p:cNvPr id="1" name=""/>
+        <p:cNvGrpSpPr/>
+        <p:nvPr/>
+      </p:nvGrpSpPr>
+      <p:grpSpPr>
+        <a:xfrm>
+          <a:off x="0" y="0"/>
+          <a:ext cx="0" cy="0"/>
+          <a:chOff x="0" y="0"/>
+          <a:chExt cx="0" cy="0"/>
+        </a:xfrm>
+      </p:grpSpPr>
+      <p:sp>
+        <p:nvSpPr>
+          <p:cNvPr id="9" name="TextBox 8">
+            <a:extLst>
+              <a:ext uri="{FF2B5EF4-FFF2-40B4-BE49-F238E27FC236}">
+                <a16:creationId xmlns:a16="http://schemas.microsoft.com/office/drawing/2014/main" id="{0087AA53-A2BE-554B-AAE4-C6D527006499}"/>
+              </a:ext>
+            </a:extLst>
+          </p:cNvPr>
+          <p:cNvSpPr txBox="1"/>
+          <p:nvPr/>
+        </p:nvSpPr>
+        <p:spPr>
+          <a:xfrm>
+            <a:off x="762000" y="1595021"/>
+            <a:ext cx="10960608" cy="3954929"/>
+          </a:xfrm>
+          <a:prstGeom prst="rect">
+            <a:avLst/>
+          </a:prstGeom>
+          <a:noFill/>
+        </p:spPr>
+        <p:txBody>
+          <a:bodyPr wrap="square" rtlCol="0">
+            <a:spAutoFit/>
+          </a:bodyPr>
+          <a:lstStyle/>
+          <a:p>
+            <a:pPr marL="169863" marR="0" lvl="0">
+              <a:lnSpc>
+                <a:spcPct val="150000"/>
+              </a:lnSpc>
+              <a:spcBef>
+                <a:spcPts val="0"/>
+              </a:spcBef>
+              <a:spcAft>
+                <a:spcPts val="600"/>
+              </a:spcAft>
+            </a:pPr>
+            <a:r>
+              <a:rPr lang="en-US" sz="1800" dirty="0">
+                <a:effectLst/>
+                <a:latin typeface="Times New Roman" panose="02020603050405020304" pitchFamily="18" charset="0"/>
+                <a:ea typeface="Calibri" panose="020F0502020204030204" pitchFamily="34" charset="0"/>
+                <a:cs typeface="Arial" panose="020B0604020202020204" pitchFamily="34" charset="0"/>
+              </a:rPr>
+              <a:t>Based on the provided data ( mostly categorical ), and the previous analysis we recommend 2 types of model to build for this problem:</a:t>
+            </a:r>
+          </a:p>
+          <a:p>
+            <a:pPr marL="512763" marR="0" lvl="0" indent="-342900">
+              <a:lnSpc>
+                <a:spcPct val="150000"/>
+              </a:lnSpc>
+              <a:spcBef>
+                <a:spcPts val="0"/>
+              </a:spcBef>
+              <a:spcAft>
+                <a:spcPts val="600"/>
+              </a:spcAft>
+              <a:buFont typeface="Symbol" panose="05050102010706020507" pitchFamily="18" charset="2"/>
+              <a:buChar char=""/>
+            </a:pPr>
+            <a:r>
+              <a:rPr lang="en-US" sz="1800" dirty="0">
+                <a:effectLst/>
+                <a:latin typeface="Calibri" panose="020F0502020204030204" pitchFamily="34" charset="0"/>
+                <a:ea typeface="Calibri" panose="020F0502020204030204" pitchFamily="34" charset="0"/>
+                <a:cs typeface="Arial" panose="020B0604020202020204" pitchFamily="34" charset="0"/>
+              </a:rPr>
+              <a:t>Neural Networks </a:t>
+            </a:r>
+          </a:p>
+          <a:p>
+            <a:pPr marL="512763" marR="0" lvl="0" indent="-342900">
+              <a:lnSpc>
+                <a:spcPct val="150000"/>
+              </a:lnSpc>
+              <a:spcBef>
+                <a:spcPts val="0"/>
+              </a:spcBef>
+              <a:spcAft>
+                <a:spcPts val="600"/>
+              </a:spcAft>
+              <a:buFont typeface="Symbol" panose="05050102010706020507" pitchFamily="18" charset="2"/>
+              <a:buChar char=""/>
+            </a:pPr>
+            <a:r>
+              <a:rPr lang="en-US" dirty="0">
+                <a:latin typeface="Calibri" panose="020F0502020204030204" pitchFamily="34" charset="0"/>
+                <a:ea typeface="Calibri" panose="020F0502020204030204" pitchFamily="34" charset="0"/>
+                <a:cs typeface="Arial" panose="020B0604020202020204" pitchFamily="34" charset="0"/>
+              </a:rPr>
+              <a:t>Random Forest </a:t>
+            </a:r>
+          </a:p>
+          <a:p>
+            <a:pPr marL="512763" marR="0" lvl="0" indent="-342900">
+              <a:lnSpc>
+                <a:spcPct val="150000"/>
+              </a:lnSpc>
+              <a:spcBef>
+                <a:spcPts val="0"/>
+              </a:spcBef>
+              <a:spcAft>
+                <a:spcPts val="600"/>
+              </a:spcAft>
+              <a:buFont typeface="Symbol" panose="05050102010706020507" pitchFamily="18" charset="2"/>
+              <a:buChar char=""/>
+            </a:pPr>
+            <a:endParaRPr lang="en-US" sz="1800" dirty="0">
+              <a:effectLst/>
+              <a:latin typeface="Calibri" panose="020F0502020204030204" pitchFamily="34" charset="0"/>
+              <a:ea typeface="Calibri" panose="020F0502020204030204" pitchFamily="34" charset="0"/>
+              <a:cs typeface="Arial" panose="020B0604020202020204" pitchFamily="34" charset="0"/>
+            </a:endParaRPr>
+          </a:p>
+          <a:p>
+            <a:pPr marL="169863" marR="0" lvl="0">
+              <a:lnSpc>
+                <a:spcPct val="150000"/>
+              </a:lnSpc>
+              <a:spcBef>
+                <a:spcPts val="0"/>
+              </a:spcBef>
+              <a:spcAft>
+                <a:spcPts val="600"/>
+              </a:spcAft>
+            </a:pPr>
+            <a:r>
+              <a:rPr lang="en-US" dirty="0">
+                <a:solidFill>
+                  <a:srgbClr val="FF0000"/>
+                </a:solidFill>
+                <a:latin typeface="Calibri" panose="020F0502020204030204" pitchFamily="34" charset="0"/>
+                <a:ea typeface="Calibri" panose="020F0502020204030204" pitchFamily="34" charset="0"/>
+                <a:cs typeface="Arial" panose="020B0604020202020204" pitchFamily="34" charset="0"/>
+              </a:rPr>
+              <a:t>Both should be complex enough to learn well the data and provide high accuracy </a:t>
+            </a:r>
+            <a:endParaRPr lang="en-US" sz="1800" dirty="0">
+              <a:solidFill>
+                <a:srgbClr val="FF0000"/>
+              </a:solidFill>
+              <a:effectLst/>
+              <a:latin typeface="Times New Roman" panose="02020603050405020304" pitchFamily="18" charset="0"/>
+              <a:ea typeface="Calibri" panose="020F0502020204030204" pitchFamily="34" charset="0"/>
+              <a:cs typeface="Arial" panose="020B0604020202020204" pitchFamily="34" charset="0"/>
+            </a:endParaRPr>
+          </a:p>
+          <a:p>
+            <a:pPr marL="512763" marR="0" lvl="0" indent="-342900">
+              <a:lnSpc>
+                <a:spcPct val="150000"/>
+              </a:lnSpc>
+              <a:spcBef>
+                <a:spcPts val="0"/>
+              </a:spcBef>
+              <a:spcAft>
+                <a:spcPts val="600"/>
+              </a:spcAft>
+              <a:buFont typeface="Symbol" panose="05050102010706020507" pitchFamily="18" charset="2"/>
+              <a:buChar char=""/>
+            </a:pPr>
+            <a:endParaRPr lang="en-US" dirty="0">
+              <a:latin typeface="Calibri" panose="020F0502020204030204" pitchFamily="34" charset="0"/>
+              <a:cs typeface="Arial" panose="020B0604020202020204" pitchFamily="34" charset="0"/>
+            </a:endParaRPr>
+          </a:p>
+          <a:p>
+            <a:endParaRPr lang="en-US" sz="1600" dirty="0"/>
+          </a:p>
+          <a:p>
+            <a:endParaRPr lang="en-US" sz="1600" dirty="0"/>
+          </a:p>
+        </p:txBody>
+      </p:sp>
+      <p:sp>
+        <p:nvSpPr>
+          <p:cNvPr id="4" name="Rectangle 3">
+            <a:extLst>
+              <a:ext uri="{FF2B5EF4-FFF2-40B4-BE49-F238E27FC236}">
+                <a16:creationId xmlns:a16="http://schemas.microsoft.com/office/drawing/2014/main" id="{B2BD046D-D4D3-5C48-9D68-AE42423390A9}"/>
+              </a:ext>
+            </a:extLst>
+          </p:cNvPr>
+          <p:cNvSpPr/>
+          <p:nvPr/>
+        </p:nvSpPr>
+        <p:spPr>
+          <a:xfrm>
+            <a:off x="0" y="0"/>
+            <a:ext cx="12192000" cy="1383912"/>
+          </a:xfrm>
+          <a:prstGeom prst="rect">
+            <a:avLst/>
+          </a:prstGeom>
+          <a:solidFill>
+            <a:schemeClr val="bg2">
+              <a:lumMod val="25000"/>
+            </a:schemeClr>
+          </a:solidFill>
+        </p:spPr>
+        <p:style>
+          <a:lnRef idx="2">
+            <a:schemeClr val="accent1">
+              <a:shade val="50000"/>
+            </a:schemeClr>
+          </a:lnRef>
+          <a:fillRef idx="1">
+            <a:schemeClr val="accent1"/>
+          </a:fillRef>
+          <a:effectRef idx="0">
+            <a:schemeClr val="accent1"/>
+          </a:effectRef>
+          <a:fontRef idx="minor">
+            <a:schemeClr val="lt1"/>
+          </a:fontRef>
+        </p:style>
+        <p:txBody>
+          <a:bodyPr rtlCol="0" anchor="ctr"/>
+          <a:lstStyle/>
+          <a:p>
+            <a:r>
+              <a:rPr lang="en-US" sz="4400" dirty="0">
+                <a:solidFill>
+                  <a:schemeClr val="accent2"/>
+                </a:solidFill>
+                <a:latin typeface="+mj-lt"/>
+              </a:rPr>
+              <a:t>      Recommendations</a:t>
+            </a:r>
+          </a:p>
+        </p:txBody>
+      </p:sp>
+    </p:spTree>
+    <p:extLst>
+      <p:ext uri="{BB962C8B-B14F-4D97-AF65-F5344CB8AC3E}">
+        <p14:creationId xmlns:p14="http://schemas.microsoft.com/office/powerpoint/2010/main" val="2121295419"/>
+      </p:ext>
+    </p:extLst>
+  </p:cSld>
+  <p:clrMapOvr>
+    <a:masterClrMapping/>
+  </p:clrMapOvr>
+</p:sld>
+</file>
+
+<file path=ppt/slides/slide18.xml><?xml version="1.0" encoding="utf-8"?>
 <p:sld xmlns:a="http://schemas.openxmlformats.org/drawingml/2006/main" xmlns:r="http://schemas.openxmlformats.org/officeDocument/2006/relationships" xmlns:p="http://schemas.openxmlformats.org/presentationml/2006/main">
   <p:cSld>
     <p:spTree>
